--- a/Slides/2.IntroToGit.pptx
+++ b/Slides/2.IntroToGit.pptx
@@ -5,7 +5,7 @@
     <p:sldMasterId id="2147483648" r:id="rId1"/>
   </p:sldMasterIdLst>
   <p:notesMasterIdLst>
-    <p:notesMasterId r:id="rId31"/>
+    <p:notesMasterId r:id="rId33"/>
   </p:notesMasterIdLst>
   <p:sldIdLst>
     <p:sldId id="256" r:id="rId2"/>
@@ -34,9 +34,11 @@
     <p:sldId id="279" r:id="rId25"/>
     <p:sldId id="280" r:id="rId26"/>
     <p:sldId id="281" r:id="rId27"/>
-    <p:sldId id="284" r:id="rId28"/>
-    <p:sldId id="282" r:id="rId29"/>
-    <p:sldId id="258" r:id="rId30"/>
+    <p:sldId id="285" r:id="rId28"/>
+    <p:sldId id="286" r:id="rId29"/>
+    <p:sldId id="284" r:id="rId30"/>
+    <p:sldId id="282" r:id="rId31"/>
+    <p:sldId id="258" r:id="rId32"/>
   </p:sldIdLst>
   <p:sldSz cx="12192000" cy="6858000"/>
   <p:notesSz cx="6858000" cy="9144000"/>
@@ -146,7 +148,7 @@
 <file path=ppt/revisionInfo.xml><?xml version="1.0" encoding="utf-8"?>
 <p1510:revInfo xmlns:a="http://schemas.openxmlformats.org/drawingml/2006/main" xmlns:r="http://schemas.openxmlformats.org/officeDocument/2006/relationships" xmlns:p1510="http://schemas.microsoft.com/office/powerpoint/2015/10/main">
   <p1510:revLst>
-    <p1510:client id="{8E486657-6003-6843-BE53-235AAB7B34FB}" v="2" dt="2025-09-02T16:04:58.014"/>
+    <p1510:client id="{8E486657-6003-6843-BE53-235AAB7B34FB}" v="11" dt="2025-09-12T19:34:08.783"/>
   </p1510:revLst>
 </p1510:revInfo>
 </file>
@@ -166,21 +168,13 @@
           <pc:docMk/>
           <pc:sldMk cId="4030044597" sldId="256"/>
         </pc:sldMkLst>
-        <pc:spChg chg="mod">
-          <ac:chgData name="Stephen Emrich" userId="e6abd74e-3da0-4635-b6e2-0dc330156f74" providerId="ADAL" clId="{8E486657-6003-6843-BE53-235AAB7B34FB}" dt="2025-08-12T15:58:44.750" v="3" actId="20577"/>
-          <ac:spMkLst>
-            <pc:docMk/>
-            <pc:sldMk cId="4030044597" sldId="256"/>
-            <ac:spMk id="3" creationId="{77AE7C91-D6C1-84EA-E552-9B9BF6195F55}"/>
-          </ac:spMkLst>
-        </pc:spChg>
       </pc:sldChg>
     </pc:docChg>
   </pc:docChgLst>
   <pc:docChgLst>
     <pc:chgData name="Stephen Emrich" userId="e6abd74e-3da0-4635-b6e2-0dc330156f74" providerId="ADAL" clId="{E6D15754-9A9E-5308-9947-0AAFEAAF9F3D}"/>
-    <pc:docChg chg="custSel addSld modSld">
-      <pc:chgData name="Stephen Emrich" userId="e6abd74e-3da0-4635-b6e2-0dc330156f74" providerId="ADAL" clId="{E6D15754-9A9E-5308-9947-0AAFEAAF9F3D}" dt="2025-09-11T11:42:57.375" v="977" actId="2711"/>
+    <pc:docChg chg="undo custSel addSld modSld">
+      <pc:chgData name="Stephen Emrich" userId="e6abd74e-3da0-4635-b6e2-0dc330156f74" providerId="ADAL" clId="{E6D15754-9A9E-5308-9947-0AAFEAAF9F3D}" dt="2025-09-17T17:27:36.177" v="1421" actId="20577"/>
       <pc:docMkLst>
         <pc:docMk/>
       </pc:docMkLst>
@@ -260,6 +254,21 @@
         </pc:spChg>
       </pc:sldChg>
       <pc:sldChg chg="modSp mod">
+        <pc:chgData name="Stephen Emrich" userId="e6abd74e-3da0-4635-b6e2-0dc330156f74" providerId="ADAL" clId="{E6D15754-9A9E-5308-9947-0AAFEAAF9F3D}" dt="2025-09-17T17:27:36.177" v="1421" actId="20577"/>
+        <pc:sldMkLst>
+          <pc:docMk/>
+          <pc:sldMk cId="2867346521" sldId="279"/>
+        </pc:sldMkLst>
+        <pc:spChg chg="mod">
+          <ac:chgData name="Stephen Emrich" userId="e6abd74e-3da0-4635-b6e2-0dc330156f74" providerId="ADAL" clId="{E6D15754-9A9E-5308-9947-0AAFEAAF9F3D}" dt="2025-09-17T17:27:36.177" v="1421" actId="20577"/>
+          <ac:spMkLst>
+            <pc:docMk/>
+            <pc:sldMk cId="2867346521" sldId="279"/>
+            <ac:spMk id="3" creationId="{00EA1268-C260-239F-F762-4C58CAB2D811}"/>
+          </ac:spMkLst>
+        </pc:spChg>
+      </pc:sldChg>
+      <pc:sldChg chg="modSp mod">
         <pc:chgData name="Stephen Emrich" userId="e6abd74e-3da0-4635-b6e2-0dc330156f74" providerId="ADAL" clId="{E6D15754-9A9E-5308-9947-0AAFEAAF9F3D}" dt="2025-09-02T16:09:39.239" v="917" actId="20577"/>
         <pc:sldMkLst>
           <pc:docMk/>
@@ -325,6 +334,52 @@
             <pc:docMk/>
             <pc:sldMk cId="510237003" sldId="284"/>
             <ac:spMk id="4" creationId="{3743E318-A312-6339-C3A9-6B9190627D98}"/>
+          </ac:spMkLst>
+        </pc:spChg>
+      </pc:sldChg>
+      <pc:sldChg chg="modSp new mod">
+        <pc:chgData name="Stephen Emrich" userId="e6abd74e-3da0-4635-b6e2-0dc330156f74" providerId="ADAL" clId="{E6D15754-9A9E-5308-9947-0AAFEAAF9F3D}" dt="2025-09-17T17:25:13.040" v="1184" actId="2711"/>
+        <pc:sldMkLst>
+          <pc:docMk/>
+          <pc:sldMk cId="4065676216" sldId="285"/>
+        </pc:sldMkLst>
+        <pc:spChg chg="mod">
+          <ac:chgData name="Stephen Emrich" userId="e6abd74e-3da0-4635-b6e2-0dc330156f74" providerId="ADAL" clId="{E6D15754-9A9E-5308-9947-0AAFEAAF9F3D}" dt="2025-09-17T17:24:09.390" v="1066" actId="20577"/>
+          <ac:spMkLst>
+            <pc:docMk/>
+            <pc:sldMk cId="4065676216" sldId="285"/>
+            <ac:spMk id="2" creationId="{EEEE2829-9649-CE4C-CE4F-9E5B5F3748D6}"/>
+          </ac:spMkLst>
+        </pc:spChg>
+        <pc:spChg chg="mod">
+          <ac:chgData name="Stephen Emrich" userId="e6abd74e-3da0-4635-b6e2-0dc330156f74" providerId="ADAL" clId="{E6D15754-9A9E-5308-9947-0AAFEAAF9F3D}" dt="2025-09-17T17:25:13.040" v="1184" actId="2711"/>
+          <ac:spMkLst>
+            <pc:docMk/>
+            <pc:sldMk cId="4065676216" sldId="285"/>
+            <ac:spMk id="3" creationId="{B6429CD2-ED7F-6B00-F0C0-9D502CD8CBE0}"/>
+          </ac:spMkLst>
+        </pc:spChg>
+      </pc:sldChg>
+      <pc:sldChg chg="modSp new mod">
+        <pc:chgData name="Stephen Emrich" userId="e6abd74e-3da0-4635-b6e2-0dc330156f74" providerId="ADAL" clId="{E6D15754-9A9E-5308-9947-0AAFEAAF9F3D}" dt="2025-09-17T17:26:46.598" v="1419" actId="15"/>
+        <pc:sldMkLst>
+          <pc:docMk/>
+          <pc:sldMk cId="738653263" sldId="286"/>
+        </pc:sldMkLst>
+        <pc:spChg chg="mod">
+          <ac:chgData name="Stephen Emrich" userId="e6abd74e-3da0-4635-b6e2-0dc330156f74" providerId="ADAL" clId="{E6D15754-9A9E-5308-9947-0AAFEAAF9F3D}" dt="2025-09-17T17:25:22.978" v="1198" actId="20577"/>
+          <ac:spMkLst>
+            <pc:docMk/>
+            <pc:sldMk cId="738653263" sldId="286"/>
+            <ac:spMk id="2" creationId="{4B79F21E-BFD0-D146-0C96-20554294B227}"/>
+          </ac:spMkLst>
+        </pc:spChg>
+        <pc:spChg chg="mod">
+          <ac:chgData name="Stephen Emrich" userId="e6abd74e-3da0-4635-b6e2-0dc330156f74" providerId="ADAL" clId="{E6D15754-9A9E-5308-9947-0AAFEAAF9F3D}" dt="2025-09-17T17:26:46.598" v="1419" actId="15"/>
+          <ac:spMkLst>
+            <pc:docMk/>
+            <pc:sldMk cId="738653263" sldId="286"/>
+            <ac:spMk id="3" creationId="{40C15B25-6F25-345C-F735-99522015D52D}"/>
           </ac:spMkLst>
         </pc:spChg>
       </pc:sldChg>
@@ -831,7 +886,7 @@
           <a:p>
             <a:fld id="{ECCDC979-B225-C840-96F5-76FBBF981870}" type="slidenum">
               <a:rPr lang="en-US" smtClean="0"/>
-              <a:t>28</a:t>
+              <a:t>30</a:t>
             </a:fld>
             <a:endParaRPr lang="en-US"/>
           </a:p>
@@ -915,7 +970,7 @@
           <a:p>
             <a:fld id="{ECCDC979-B225-C840-96F5-76FBBF981870}" type="slidenum">
               <a:rPr lang="en-US" smtClean="0"/>
-              <a:t>29</a:t>
+              <a:t>31</a:t>
             </a:fld>
             <a:endParaRPr lang="en-US"/>
           </a:p>
@@ -7169,7 +7224,7 @@
           <a:p>
             <a:r>
               <a:rPr lang="en-US" dirty="0"/>
-              <a:t>The collaborating could then pull the changes and update their local repository</a:t>
+              <a:t>The collaborator could then pull the changes and update their local repository</a:t>
             </a:r>
           </a:p>
           <a:p>
@@ -7503,7 +7558,7 @@
           <p:cNvPr id="2" name="Title 1">
             <a:extLst>
               <a:ext uri="{FF2B5EF4-FFF2-40B4-BE49-F238E27FC236}">
-                <a16:creationId xmlns:a16="http://schemas.microsoft.com/office/drawing/2014/main" id="{A88FDED9-53B2-0776-A3E8-40E81022A728}"/>
+                <a16:creationId xmlns:a16="http://schemas.microsoft.com/office/drawing/2014/main" id="{EEEE2829-9649-CE4C-CE4F-9E5B5F3748D6}"/>
               </a:ext>
             </a:extLst>
           </p:cNvPr>
@@ -7521,7 +7576,7 @@
           <a:p>
             <a:r>
               <a:rPr lang="en-US" dirty="0"/>
-              <a:t>Problem Set 1</a:t>
+              <a:t>Configuring the remote that points upstream</a:t>
             </a:r>
           </a:p>
         </p:txBody>
@@ -7531,7 +7586,7 @@
           <p:cNvPr id="3" name="Content Placeholder 2">
             <a:extLst>
               <a:ext uri="{FF2B5EF4-FFF2-40B4-BE49-F238E27FC236}">
-                <a16:creationId xmlns:a16="http://schemas.microsoft.com/office/drawing/2014/main" id="{23A60823-5567-2F36-4985-B5C9D1121452}"/>
+                <a16:creationId xmlns:a16="http://schemas.microsoft.com/office/drawing/2014/main" id="{B6429CD2-ED7F-6B00-F0C0-9D502CD8CBE0}"/>
               </a:ext>
             </a:extLst>
           </p:cNvPr>
@@ -7544,86 +7599,119 @@
         </p:nvSpPr>
         <p:spPr/>
         <p:txBody>
-          <a:bodyPr/>
-          <a:lstStyle/>
-          <a:p>
-            <a:r>
-              <a:rPr lang="en-US" dirty="0"/>
-              <a:t>Available on the course repository</a:t>
-            </a:r>
+          <a:bodyPr>
+            <a:normAutofit/>
+          </a:bodyPr>
+          <a:lstStyle/>
+          <a:p>
+            <a:pPr marL="0" indent="0">
+              <a:buNone/>
+            </a:pPr>
+            <a:r>
+              <a:rPr lang="en-CA" dirty="0">
+                <a:cs typeface="Courier New" panose="02070309020205020404" pitchFamily="49" charset="0"/>
+              </a:rPr>
+              <a:t>List the current configured remote:</a:t>
+            </a:r>
+          </a:p>
+          <a:p>
+            <a:pPr marL="0" indent="0">
+              <a:buNone/>
+            </a:pPr>
+            <a:r>
+              <a:rPr lang="en-CA" dirty="0">
+                <a:latin typeface="Courier New" panose="02070309020205020404" pitchFamily="49" charset="0"/>
+                <a:cs typeface="Courier New" panose="02070309020205020404" pitchFamily="49" charset="0"/>
+              </a:rPr>
+              <a:t>	git remote -v</a:t>
+            </a:r>
+          </a:p>
+          <a:p>
+            <a:pPr marL="0" indent="0">
+              <a:buNone/>
+            </a:pPr>
+            <a:endParaRPr lang="en-CA" dirty="0">
+              <a:latin typeface="Courier New" panose="02070309020205020404" pitchFamily="49" charset="0"/>
+              <a:cs typeface="Courier New" panose="02070309020205020404" pitchFamily="49" charset="0"/>
+            </a:endParaRPr>
+          </a:p>
+          <a:p>
+            <a:pPr marL="0" indent="0">
+              <a:buNone/>
+            </a:pPr>
+            <a:r>
+              <a:rPr lang="en-CA" dirty="0">
+                <a:cs typeface="Courier New" panose="02070309020205020404" pitchFamily="49" charset="0"/>
+              </a:rPr>
+              <a:t>Specify the upstream repo that will be synced with the fork</a:t>
+            </a:r>
+          </a:p>
+          <a:p>
+            <a:pPr marL="0" indent="0">
+              <a:buNone/>
+            </a:pPr>
+            <a:endParaRPr lang="en-CA" dirty="0">
+              <a:latin typeface="Courier New" panose="02070309020205020404" pitchFamily="49" charset="0"/>
+              <a:cs typeface="Courier New" panose="02070309020205020404" pitchFamily="49" charset="0"/>
+            </a:endParaRPr>
+          </a:p>
+          <a:p>
+            <a:pPr marL="0" indent="0">
+              <a:buNone/>
+            </a:pPr>
+            <a:r>
+              <a:rPr lang="en-CA" dirty="0">
+                <a:latin typeface="Courier New" panose="02070309020205020404" pitchFamily="49" charset="0"/>
+                <a:cs typeface="Courier New" panose="02070309020205020404" pitchFamily="49" charset="0"/>
+              </a:rPr>
+              <a:t>git remote add upstream </a:t>
+            </a:r>
+            <a:r>
+              <a:rPr lang="en-CA" dirty="0">
+                <a:latin typeface="Courier New" panose="02070309020205020404" pitchFamily="49" charset="0"/>
+                <a:cs typeface="Courier New" panose="02070309020205020404" pitchFamily="49" charset="0"/>
+                <a:hlinkClick r:id="rId2"/>
+              </a:rPr>
+              <a:t>https://github.com/ORIGINAL-OWNER/ORIGINAL-REPOSITORY.git</a:t>
+            </a:r>
+            <a:endParaRPr lang="en-CA" dirty="0">
+              <a:latin typeface="Courier New" panose="02070309020205020404" pitchFamily="49" charset="0"/>
+              <a:cs typeface="Courier New" panose="02070309020205020404" pitchFamily="49" charset="0"/>
+            </a:endParaRPr>
+          </a:p>
+          <a:p>
+            <a:endParaRPr lang="en-CA" dirty="0">
+              <a:latin typeface="Courier New" panose="02070309020205020404" pitchFamily="49" charset="0"/>
+              <a:cs typeface="Courier New" panose="02070309020205020404" pitchFamily="49" charset="0"/>
+            </a:endParaRPr>
+          </a:p>
+          <a:p>
+            <a:pPr marL="0" indent="0">
+              <a:buNone/>
+            </a:pPr>
+            <a:endParaRPr lang="en-CA" dirty="0">
+              <a:latin typeface="Courier New" panose="02070309020205020404" pitchFamily="49" charset="0"/>
+              <a:cs typeface="Courier New" panose="02070309020205020404" pitchFamily="49" charset="0"/>
+            </a:endParaRPr>
+          </a:p>
+          <a:p>
+            <a:pPr marL="0" indent="0">
+              <a:buNone/>
+            </a:pPr>
+            <a:endParaRPr lang="en-CA" dirty="0">
+              <a:latin typeface="Courier New" panose="02070309020205020404" pitchFamily="49" charset="0"/>
+              <a:cs typeface="Courier New" panose="02070309020205020404" pitchFamily="49" charset="0"/>
+            </a:endParaRPr>
           </a:p>
           <a:p>
             <a:endParaRPr lang="en-US" dirty="0"/>
-          </a:p>
-          <a:p>
-            <a:r>
-              <a:rPr lang="en-US" dirty="0"/>
-              <a:t>To complete Problem Set 1 you will need to clone (or fork? </a:t>
-            </a:r>
-            <a:r>
-              <a:rPr lang="en-US"/>
-              <a:t>or duplicate?) </a:t>
-            </a:r>
-            <a:r>
-              <a:rPr lang="en-US" dirty="0"/>
-              <a:t>the course repository</a:t>
-            </a:r>
-          </a:p>
-          <a:p>
-            <a:endParaRPr lang="en-US" dirty="0"/>
-          </a:p>
-          <a:p>
-            <a:r>
-              <a:rPr lang="en-US" b="1" dirty="0"/>
-              <a:t>All materials must be obtained through </a:t>
-            </a:r>
-            <a:r>
-              <a:rPr lang="en-US" b="1" dirty="0" err="1"/>
-              <a:t>github</a:t>
-            </a:r>
-            <a:r>
-              <a:rPr lang="en-US" b="1" dirty="0"/>
-              <a:t> commands from the repository for the remainder of the course</a:t>
-            </a:r>
-          </a:p>
-        </p:txBody>
-      </p:sp>
-      <p:sp>
-        <p:nvSpPr>
-          <p:cNvPr id="4" name="TextBox 3">
-            <a:extLst>
-              <a:ext uri="{FF2B5EF4-FFF2-40B4-BE49-F238E27FC236}">
-                <a16:creationId xmlns:a16="http://schemas.microsoft.com/office/drawing/2014/main" id="{3743E318-A312-6339-C3A9-6B9190627D98}"/>
-              </a:ext>
-            </a:extLst>
-          </p:cNvPr>
-          <p:cNvSpPr txBox="1"/>
-          <p:nvPr/>
-        </p:nvSpPr>
-        <p:spPr>
-          <a:xfrm>
-            <a:off x="2743200" y="1041722"/>
-            <a:ext cx="184731" cy="369332"/>
-          </a:xfrm>
-          <a:prstGeom prst="rect">
-            <a:avLst/>
-          </a:prstGeom>
-          <a:noFill/>
-        </p:spPr>
-        <p:txBody>
-          <a:bodyPr wrap="none" rtlCol="0">
-            <a:spAutoFit/>
-          </a:bodyPr>
-          <a:lstStyle/>
-          <a:p>
-            <a:endParaRPr lang="en-US"/>
           </a:p>
         </p:txBody>
       </p:sp>
     </p:spTree>
     <p:extLst>
       <p:ext uri="{BB962C8B-B14F-4D97-AF65-F5344CB8AC3E}">
-        <p14:creationId xmlns:p14="http://schemas.microsoft.com/office/powerpoint/2010/main" val="510237003"/>
+        <p14:creationId xmlns:p14="http://schemas.microsoft.com/office/powerpoint/2010/main" val="4065676216"/>
       </p:ext>
     </p:extLst>
   </p:cSld>
@@ -7655,7 +7743,7 @@
           <p:cNvPr id="2" name="Title 1">
             <a:extLst>
               <a:ext uri="{FF2B5EF4-FFF2-40B4-BE49-F238E27FC236}">
-                <a16:creationId xmlns:a16="http://schemas.microsoft.com/office/drawing/2014/main" id="{D4EE7F93-04F1-81AF-A69C-D66ACE72C71D}"/>
+                <a16:creationId xmlns:a16="http://schemas.microsoft.com/office/drawing/2014/main" id="{4B79F21E-BFD0-D146-0C96-20554294B227}"/>
               </a:ext>
             </a:extLst>
           </p:cNvPr>
@@ -7673,7 +7761,7 @@
           <a:p>
             <a:r>
               <a:rPr lang="en-US" dirty="0"/>
-              <a:t>Bonus lesson: Markdown</a:t>
+              <a:t>Syncing a fork</a:t>
             </a:r>
           </a:p>
         </p:txBody>
@@ -7683,7 +7771,7 @@
           <p:cNvPr id="3" name="Content Placeholder 2">
             <a:extLst>
               <a:ext uri="{FF2B5EF4-FFF2-40B4-BE49-F238E27FC236}">
-                <a16:creationId xmlns:a16="http://schemas.microsoft.com/office/drawing/2014/main" id="{CD8A0D39-39C1-92CE-2304-BD7928E10C61}"/>
+                <a16:creationId xmlns:a16="http://schemas.microsoft.com/office/drawing/2014/main" id="{40C15B25-6F25-345C-F735-99522015D52D}"/>
               </a:ext>
             </a:extLst>
           </p:cNvPr>
@@ -7700,14 +7788,62 @@
           <a:lstStyle/>
           <a:p>
             <a:r>
+              <a:rPr lang="en-US" dirty="0"/>
+              <a:t>Fetch the branches and their respective commits</a:t>
+            </a:r>
+          </a:p>
+          <a:p>
+            <a:pPr marL="457200" lvl="1" indent="0">
+              <a:buNone/>
+            </a:pPr>
+            <a:r>
               <a:rPr lang="en-US" dirty="0">
-                <a:hlinkClick r:id="rId3"/>
-              </a:rPr>
-              <a:t>https://commonmark.org/help/tutorial/</a:t>
-            </a:r>
-            <a:r>
-              <a:rPr lang="en-US" dirty="0"/>
-              <a:t> </a:t>
+                <a:latin typeface="Courier New" panose="02070309020205020404" pitchFamily="49" charset="0"/>
+                <a:cs typeface="Courier New" panose="02070309020205020404" pitchFamily="49" charset="0"/>
+              </a:rPr>
+              <a:t>git fetch upstream</a:t>
+            </a:r>
+          </a:p>
+          <a:p>
+            <a:endParaRPr lang="en-US" dirty="0"/>
+          </a:p>
+          <a:p>
+            <a:r>
+              <a:rPr lang="en-US" dirty="0"/>
+              <a:t>Check out your fork’s local default branch</a:t>
+            </a:r>
+          </a:p>
+          <a:p>
+            <a:pPr marL="457200" lvl="1" indent="0">
+              <a:buNone/>
+            </a:pPr>
+            <a:r>
+              <a:rPr lang="en-US" dirty="0">
+                <a:latin typeface="Courier New" panose="02070309020205020404" pitchFamily="49" charset="0"/>
+                <a:cs typeface="Courier New" panose="02070309020205020404" pitchFamily="49" charset="0"/>
+              </a:rPr>
+              <a:t>git checkout main</a:t>
+            </a:r>
+          </a:p>
+          <a:p>
+            <a:endParaRPr lang="en-US" dirty="0"/>
+          </a:p>
+          <a:p>
+            <a:r>
+              <a:rPr lang="en-US" dirty="0"/>
+              <a:t>Merge changes from upstream </a:t>
+            </a:r>
+          </a:p>
+          <a:p>
+            <a:pPr marL="457200" lvl="1" indent="0">
+              <a:buNone/>
+            </a:pPr>
+            <a:r>
+              <a:rPr lang="en-US" dirty="0">
+                <a:latin typeface="Courier New" panose="02070309020205020404" pitchFamily="49" charset="0"/>
+                <a:cs typeface="Courier New" panose="02070309020205020404" pitchFamily="49" charset="0"/>
+              </a:rPr>
+              <a:t>git merge upstream/main</a:t>
             </a:r>
           </a:p>
         </p:txBody>
@@ -7715,7 +7851,7 @@
     </p:spTree>
     <p:extLst>
       <p:ext uri="{BB962C8B-B14F-4D97-AF65-F5344CB8AC3E}">
-        <p14:creationId xmlns:p14="http://schemas.microsoft.com/office/powerpoint/2010/main" val="236849165"/>
+        <p14:creationId xmlns:p14="http://schemas.microsoft.com/office/powerpoint/2010/main" val="738653263"/>
       </p:ext>
     </p:extLst>
   </p:cSld>
@@ -7747,7 +7883,7 @@
           <p:cNvPr id="2" name="Title 1">
             <a:extLst>
               <a:ext uri="{FF2B5EF4-FFF2-40B4-BE49-F238E27FC236}">
-                <a16:creationId xmlns:a16="http://schemas.microsoft.com/office/drawing/2014/main" id="{EDDEA619-7216-92CC-7CFE-98409148692F}"/>
+                <a16:creationId xmlns:a16="http://schemas.microsoft.com/office/drawing/2014/main" id="{A88FDED9-53B2-0776-A3E8-40E81022A728}"/>
               </a:ext>
             </a:extLst>
           </p:cNvPr>
@@ -7765,7 +7901,7 @@
           <a:p>
             <a:r>
               <a:rPr lang="en-US" dirty="0"/>
-              <a:t>Sources</a:t>
+              <a:t>Problem Set 1</a:t>
             </a:r>
           </a:p>
         </p:txBody>
@@ -7775,7 +7911,7 @@
           <p:cNvPr id="3" name="Content Placeholder 2">
             <a:extLst>
               <a:ext uri="{FF2B5EF4-FFF2-40B4-BE49-F238E27FC236}">
-                <a16:creationId xmlns:a16="http://schemas.microsoft.com/office/drawing/2014/main" id="{EA37EABF-26DF-FAF2-994F-F488138A77EF}"/>
+                <a16:creationId xmlns:a16="http://schemas.microsoft.com/office/drawing/2014/main" id="{23A60823-5567-2F36-4985-B5C9D1121452}"/>
               </a:ext>
             </a:extLst>
           </p:cNvPr>
@@ -7788,68 +7924,86 @@
         </p:nvSpPr>
         <p:spPr/>
         <p:txBody>
-          <a:bodyPr>
-            <a:normAutofit fontScale="92500" lnSpcReduction="20000"/>
+          <a:bodyPr/>
+          <a:lstStyle/>
+          <a:p>
+            <a:r>
+              <a:rPr lang="en-US" dirty="0"/>
+              <a:t>Available on the course repository</a:t>
+            </a:r>
+          </a:p>
+          <a:p>
+            <a:endParaRPr lang="en-US" dirty="0"/>
+          </a:p>
+          <a:p>
+            <a:r>
+              <a:rPr lang="en-US" dirty="0"/>
+              <a:t>To complete Problem Set 1 you will need to clone (or fork? </a:t>
+            </a:r>
+            <a:r>
+              <a:rPr lang="en-US"/>
+              <a:t>or duplicate?) </a:t>
+            </a:r>
+            <a:r>
+              <a:rPr lang="en-US" dirty="0"/>
+              <a:t>the course repository</a:t>
+            </a:r>
+          </a:p>
+          <a:p>
+            <a:endParaRPr lang="en-US" dirty="0"/>
+          </a:p>
+          <a:p>
+            <a:r>
+              <a:rPr lang="en-US" b="1" dirty="0"/>
+              <a:t>All materials must be obtained through </a:t>
+            </a:r>
+            <a:r>
+              <a:rPr lang="en-US" b="1" dirty="0" err="1"/>
+              <a:t>github</a:t>
+            </a:r>
+            <a:r>
+              <a:rPr lang="en-US" b="1" dirty="0"/>
+              <a:t> commands from the repository for the remainder of the course</a:t>
+            </a:r>
+          </a:p>
+        </p:txBody>
+      </p:sp>
+      <p:sp>
+        <p:nvSpPr>
+          <p:cNvPr id="4" name="TextBox 3">
+            <a:extLst>
+              <a:ext uri="{FF2B5EF4-FFF2-40B4-BE49-F238E27FC236}">
+                <a16:creationId xmlns:a16="http://schemas.microsoft.com/office/drawing/2014/main" id="{3743E318-A312-6339-C3A9-6B9190627D98}"/>
+              </a:ext>
+            </a:extLst>
+          </p:cNvPr>
+          <p:cNvSpPr txBox="1"/>
+          <p:nvPr/>
+        </p:nvSpPr>
+        <p:spPr>
+          <a:xfrm>
+            <a:off x="2743200" y="1041722"/>
+            <a:ext cx="184731" cy="369332"/>
+          </a:xfrm>
+          <a:prstGeom prst="rect">
+            <a:avLst/>
+          </a:prstGeom>
+          <a:noFill/>
+        </p:spPr>
+        <p:txBody>
+          <a:bodyPr wrap="none" rtlCol="0">
+            <a:spAutoFit/>
           </a:bodyPr>
           <a:lstStyle/>
           <a:p>
-            <a:r>
-              <a:rPr lang="en-US" dirty="0">
-                <a:hlinkClick r:id="rId3"/>
-              </a:rPr>
-              <a:t>https://swcarpentry.github.io/git-novice/</a:t>
-            </a:r>
-            <a:endParaRPr lang="en-US" dirty="0"/>
-          </a:p>
-          <a:p>
-            <a:endParaRPr lang="en-US" dirty="0"/>
-          </a:p>
-          <a:p>
-            <a:r>
-              <a:rPr lang="en-US" dirty="0">
-                <a:hlinkClick r:id="rId4"/>
-              </a:rPr>
-              <a:t>https://geo-python-site.readthedocs.io/en/2022.0/lessons/L2/intro-to-GitHub.html</a:t>
-            </a:r>
-            <a:endParaRPr lang="en-US" dirty="0"/>
-          </a:p>
-          <a:p>
-            <a:endParaRPr lang="en-US" dirty="0"/>
-          </a:p>
-          <a:p>
-            <a:r>
-              <a:rPr lang="en-US" dirty="0">
-                <a:hlinkClick r:id="rId5"/>
-              </a:rPr>
-              <a:t>https://docs.github.com/en/pull-requests/collaborating-with-pull-requests/working-with-forks/fork-a-repo</a:t>
-            </a:r>
-            <a:endParaRPr lang="en-US" dirty="0"/>
-          </a:p>
-          <a:p>
-            <a:endParaRPr lang="en-US" dirty="0"/>
-          </a:p>
-          <a:p>
-            <a:r>
-              <a:rPr lang="en-US" dirty="0"/>
-              <a:t> </a:t>
-            </a:r>
-            <a:r>
-              <a:rPr lang="en-US" dirty="0">
-                <a:hlinkClick r:id="rId6"/>
-              </a:rPr>
-              <a:t>https://docs.github.com/en/pull-requests/collaborating-with-pull-requests/proposing-changes-to-your-work-with-pull-requests/creating-a-pull-request</a:t>
-            </a:r>
-            <a:r>
-              <a:rPr lang="en-US" dirty="0"/>
-              <a:t> </a:t>
-            </a:r>
+            <a:endParaRPr lang="en-US"/>
           </a:p>
         </p:txBody>
       </p:sp>
     </p:spTree>
     <p:extLst>
       <p:ext uri="{BB962C8B-B14F-4D97-AF65-F5344CB8AC3E}">
-        <p14:creationId xmlns:p14="http://schemas.microsoft.com/office/powerpoint/2010/main" val="971726565"/>
+        <p14:creationId xmlns:p14="http://schemas.microsoft.com/office/powerpoint/2010/main" val="510237003"/>
       </p:ext>
     </p:extLst>
   </p:cSld>
@@ -8016,6 +8170,232 @@
     <p:extLst>
       <p:ext uri="{BB962C8B-B14F-4D97-AF65-F5344CB8AC3E}">
         <p14:creationId xmlns:p14="http://schemas.microsoft.com/office/powerpoint/2010/main" val="1087334897"/>
+      </p:ext>
+    </p:extLst>
+  </p:cSld>
+  <p:clrMapOvr>
+    <a:masterClrMapping/>
+  </p:clrMapOvr>
+</p:sld>
+</file>
+
+<file path=ppt/slides/slide30.xml><?xml version="1.0" encoding="utf-8"?>
+<p:sld xmlns:a="http://schemas.openxmlformats.org/drawingml/2006/main" xmlns:r="http://schemas.openxmlformats.org/officeDocument/2006/relationships" xmlns:p="http://schemas.openxmlformats.org/presentationml/2006/main">
+  <p:cSld>
+    <p:spTree>
+      <p:nvGrpSpPr>
+        <p:cNvPr id="1" name=""/>
+        <p:cNvGrpSpPr/>
+        <p:nvPr/>
+      </p:nvGrpSpPr>
+      <p:grpSpPr>
+        <a:xfrm>
+          <a:off x="0" y="0"/>
+          <a:ext cx="0" cy="0"/>
+          <a:chOff x="0" y="0"/>
+          <a:chExt cx="0" cy="0"/>
+        </a:xfrm>
+      </p:grpSpPr>
+      <p:sp>
+        <p:nvSpPr>
+          <p:cNvPr id="2" name="Title 1">
+            <a:extLst>
+              <a:ext uri="{FF2B5EF4-FFF2-40B4-BE49-F238E27FC236}">
+                <a16:creationId xmlns:a16="http://schemas.microsoft.com/office/drawing/2014/main" id="{D4EE7F93-04F1-81AF-A69C-D66ACE72C71D}"/>
+              </a:ext>
+            </a:extLst>
+          </p:cNvPr>
+          <p:cNvSpPr>
+            <a:spLocks noGrp="1"/>
+          </p:cNvSpPr>
+          <p:nvPr>
+            <p:ph type="title"/>
+          </p:nvPr>
+        </p:nvSpPr>
+        <p:spPr/>
+        <p:txBody>
+          <a:bodyPr/>
+          <a:lstStyle/>
+          <a:p>
+            <a:r>
+              <a:rPr lang="en-US" dirty="0"/>
+              <a:t>Bonus lesson: Markdown</a:t>
+            </a:r>
+          </a:p>
+        </p:txBody>
+      </p:sp>
+      <p:sp>
+        <p:nvSpPr>
+          <p:cNvPr id="3" name="Content Placeholder 2">
+            <a:extLst>
+              <a:ext uri="{FF2B5EF4-FFF2-40B4-BE49-F238E27FC236}">
+                <a16:creationId xmlns:a16="http://schemas.microsoft.com/office/drawing/2014/main" id="{CD8A0D39-39C1-92CE-2304-BD7928E10C61}"/>
+              </a:ext>
+            </a:extLst>
+          </p:cNvPr>
+          <p:cNvSpPr>
+            <a:spLocks noGrp="1"/>
+          </p:cNvSpPr>
+          <p:nvPr>
+            <p:ph idx="1"/>
+          </p:nvPr>
+        </p:nvSpPr>
+        <p:spPr/>
+        <p:txBody>
+          <a:bodyPr/>
+          <a:lstStyle/>
+          <a:p>
+            <a:r>
+              <a:rPr lang="en-US" dirty="0">
+                <a:hlinkClick r:id="rId3"/>
+              </a:rPr>
+              <a:t>https://commonmark.org/help/tutorial/</a:t>
+            </a:r>
+            <a:r>
+              <a:rPr lang="en-US" dirty="0"/>
+              <a:t> </a:t>
+            </a:r>
+          </a:p>
+        </p:txBody>
+      </p:sp>
+    </p:spTree>
+    <p:extLst>
+      <p:ext uri="{BB962C8B-B14F-4D97-AF65-F5344CB8AC3E}">
+        <p14:creationId xmlns:p14="http://schemas.microsoft.com/office/powerpoint/2010/main" val="236849165"/>
+      </p:ext>
+    </p:extLst>
+  </p:cSld>
+  <p:clrMapOvr>
+    <a:masterClrMapping/>
+  </p:clrMapOvr>
+</p:sld>
+</file>
+
+<file path=ppt/slides/slide31.xml><?xml version="1.0" encoding="utf-8"?>
+<p:sld xmlns:a="http://schemas.openxmlformats.org/drawingml/2006/main" xmlns:r="http://schemas.openxmlformats.org/officeDocument/2006/relationships" xmlns:p="http://schemas.openxmlformats.org/presentationml/2006/main">
+  <p:cSld>
+    <p:spTree>
+      <p:nvGrpSpPr>
+        <p:cNvPr id="1" name=""/>
+        <p:cNvGrpSpPr/>
+        <p:nvPr/>
+      </p:nvGrpSpPr>
+      <p:grpSpPr>
+        <a:xfrm>
+          <a:off x="0" y="0"/>
+          <a:ext cx="0" cy="0"/>
+          <a:chOff x="0" y="0"/>
+          <a:chExt cx="0" cy="0"/>
+        </a:xfrm>
+      </p:grpSpPr>
+      <p:sp>
+        <p:nvSpPr>
+          <p:cNvPr id="2" name="Title 1">
+            <a:extLst>
+              <a:ext uri="{FF2B5EF4-FFF2-40B4-BE49-F238E27FC236}">
+                <a16:creationId xmlns:a16="http://schemas.microsoft.com/office/drawing/2014/main" id="{EDDEA619-7216-92CC-7CFE-98409148692F}"/>
+              </a:ext>
+            </a:extLst>
+          </p:cNvPr>
+          <p:cNvSpPr>
+            <a:spLocks noGrp="1"/>
+          </p:cNvSpPr>
+          <p:nvPr>
+            <p:ph type="title"/>
+          </p:nvPr>
+        </p:nvSpPr>
+        <p:spPr/>
+        <p:txBody>
+          <a:bodyPr/>
+          <a:lstStyle/>
+          <a:p>
+            <a:r>
+              <a:rPr lang="en-US" dirty="0"/>
+              <a:t>Sources</a:t>
+            </a:r>
+          </a:p>
+        </p:txBody>
+      </p:sp>
+      <p:sp>
+        <p:nvSpPr>
+          <p:cNvPr id="3" name="Content Placeholder 2">
+            <a:extLst>
+              <a:ext uri="{FF2B5EF4-FFF2-40B4-BE49-F238E27FC236}">
+                <a16:creationId xmlns:a16="http://schemas.microsoft.com/office/drawing/2014/main" id="{EA37EABF-26DF-FAF2-994F-F488138A77EF}"/>
+              </a:ext>
+            </a:extLst>
+          </p:cNvPr>
+          <p:cNvSpPr>
+            <a:spLocks noGrp="1"/>
+          </p:cNvSpPr>
+          <p:nvPr>
+            <p:ph idx="1"/>
+          </p:nvPr>
+        </p:nvSpPr>
+        <p:spPr/>
+        <p:txBody>
+          <a:bodyPr>
+            <a:normAutofit fontScale="92500" lnSpcReduction="20000"/>
+          </a:bodyPr>
+          <a:lstStyle/>
+          <a:p>
+            <a:r>
+              <a:rPr lang="en-US" dirty="0">
+                <a:hlinkClick r:id="rId3"/>
+              </a:rPr>
+              <a:t>https://swcarpentry.github.io/git-novice/</a:t>
+            </a:r>
+            <a:endParaRPr lang="en-US" dirty="0"/>
+          </a:p>
+          <a:p>
+            <a:endParaRPr lang="en-US" dirty="0"/>
+          </a:p>
+          <a:p>
+            <a:r>
+              <a:rPr lang="en-US" dirty="0">
+                <a:hlinkClick r:id="rId4"/>
+              </a:rPr>
+              <a:t>https://geo-python-site.readthedocs.io/en/2022.0/lessons/L2/intro-to-GitHub.html</a:t>
+            </a:r>
+            <a:endParaRPr lang="en-US" dirty="0"/>
+          </a:p>
+          <a:p>
+            <a:endParaRPr lang="en-US" dirty="0"/>
+          </a:p>
+          <a:p>
+            <a:r>
+              <a:rPr lang="en-US" dirty="0">
+                <a:hlinkClick r:id="rId5"/>
+              </a:rPr>
+              <a:t>https://docs.github.com/en/pull-requests/collaborating-with-pull-requests/working-with-forks/fork-a-repo</a:t>
+            </a:r>
+            <a:endParaRPr lang="en-US" dirty="0"/>
+          </a:p>
+          <a:p>
+            <a:endParaRPr lang="en-US" dirty="0"/>
+          </a:p>
+          <a:p>
+            <a:r>
+              <a:rPr lang="en-US" dirty="0"/>
+              <a:t> </a:t>
+            </a:r>
+            <a:r>
+              <a:rPr lang="en-US" dirty="0">
+                <a:hlinkClick r:id="rId6"/>
+              </a:rPr>
+              <a:t>https://docs.github.com/en/pull-requests/collaborating-with-pull-requests/proposing-changes-to-your-work-with-pull-requests/creating-a-pull-request</a:t>
+            </a:r>
+            <a:r>
+              <a:rPr lang="en-US" dirty="0"/>
+              <a:t> </a:t>
+            </a:r>
+          </a:p>
+        </p:txBody>
+      </p:sp>
+    </p:spTree>
+    <p:extLst>
+      <p:ext uri="{BB962C8B-B14F-4D97-AF65-F5344CB8AC3E}">
+        <p14:creationId xmlns:p14="http://schemas.microsoft.com/office/powerpoint/2010/main" val="971726565"/>
       </p:ext>
     </p:extLst>
   </p:cSld>

--- a/Slides/2.IntroToGit.pptx
+++ b/Slides/2.IntroToGit.pptx
@@ -174,7 +174,7 @@
   <pc:docChgLst>
     <pc:chgData name="Stephen Emrich" userId="e6abd74e-3da0-4635-b6e2-0dc330156f74" providerId="ADAL" clId="{E6D15754-9A9E-5308-9947-0AAFEAAF9F3D}"/>
     <pc:docChg chg="undo custSel addSld modSld">
-      <pc:chgData name="Stephen Emrich" userId="e6abd74e-3da0-4635-b6e2-0dc330156f74" providerId="ADAL" clId="{E6D15754-9A9E-5308-9947-0AAFEAAF9F3D}" dt="2025-09-17T17:27:36.177" v="1421" actId="20577"/>
+      <pc:chgData name="Stephen Emrich" userId="e6abd74e-3da0-4635-b6e2-0dc330156f74" providerId="ADAL" clId="{E6D15754-9A9E-5308-9947-0AAFEAAF9F3D}" dt="2025-09-17T18:01:11.736" v="1460" actId="20577"/>
       <pc:docMkLst>
         <pc:docMk/>
       </pc:docMkLst>
@@ -237,6 +237,13 @@
             <ac:spMk id="3" creationId="{B2C5CCCA-EB82-B340-8A5F-33C3A0F7F083}"/>
           </ac:spMkLst>
         </pc:spChg>
+      </pc:sldChg>
+      <pc:sldChg chg="modNotesTx">
+        <pc:chgData name="Stephen Emrich" userId="e6abd74e-3da0-4635-b6e2-0dc330156f74" providerId="ADAL" clId="{E6D15754-9A9E-5308-9947-0AAFEAAF9F3D}" dt="2025-09-17T18:01:11.736" v="1460" actId="20577"/>
+        <pc:sldMkLst>
+          <pc:docMk/>
+          <pc:sldMk cId="4224391524" sldId="274"/>
+        </pc:sldMkLst>
       </pc:sldChg>
       <pc:sldChg chg="modSp mod">
         <pc:chgData name="Stephen Emrich" userId="e6abd74e-3da0-4635-b6e2-0dc330156f74" providerId="ADAL" clId="{E6D15754-9A9E-5308-9947-0AAFEAAF9F3D}" dt="2025-08-28T21:05:19.462" v="19" actId="20577"/>
@@ -865,6 +872,98 @@
           <a:bodyPr/>
           <a:lstStyle/>
           <a:p>
+            <a:r>
+              <a:rPr lang="en-US" dirty="0"/>
+              <a:t>Switch </a:t>
+            </a:r>
+            <a:r>
+              <a:rPr lang="en-US"/>
+              <a:t>too https??</a:t>
+            </a:r>
+            <a:endParaRPr lang="en-US" dirty="0"/>
+          </a:p>
+        </p:txBody>
+      </p:sp>
+      <p:sp>
+        <p:nvSpPr>
+          <p:cNvPr id="4" name="Slide Number Placeholder 3"/>
+          <p:cNvSpPr>
+            <a:spLocks noGrp="1"/>
+          </p:cNvSpPr>
+          <p:nvPr>
+            <p:ph type="sldNum" sz="quarter" idx="5"/>
+          </p:nvPr>
+        </p:nvSpPr>
+        <p:spPr/>
+        <p:txBody>
+          <a:bodyPr/>
+          <a:lstStyle/>
+          <a:p>
+            <a:fld id="{ECCDC979-B225-C840-96F5-76FBBF981870}" type="slidenum">
+              <a:rPr lang="en-US" smtClean="0"/>
+              <a:t>19</a:t>
+            </a:fld>
+            <a:endParaRPr lang="en-US"/>
+          </a:p>
+        </p:txBody>
+      </p:sp>
+    </p:spTree>
+    <p:extLst>
+      <p:ext uri="{BB962C8B-B14F-4D97-AF65-F5344CB8AC3E}">
+        <p14:creationId xmlns:p14="http://schemas.microsoft.com/office/powerpoint/2010/main" val="3937009396"/>
+      </p:ext>
+    </p:extLst>
+  </p:cSld>
+  <p:clrMapOvr>
+    <a:masterClrMapping/>
+  </p:clrMapOvr>
+</p:notes>
+</file>
+
+<file path=ppt/notesSlides/notesSlide3.xml><?xml version="1.0" encoding="utf-8"?>
+<p:notes xmlns:a="http://schemas.openxmlformats.org/drawingml/2006/main" xmlns:r="http://schemas.openxmlformats.org/officeDocument/2006/relationships" xmlns:p="http://schemas.openxmlformats.org/presentationml/2006/main">
+  <p:cSld>
+    <p:spTree>
+      <p:nvGrpSpPr>
+        <p:cNvPr id="1" name=""/>
+        <p:cNvGrpSpPr/>
+        <p:nvPr/>
+      </p:nvGrpSpPr>
+      <p:grpSpPr>
+        <a:xfrm>
+          <a:off x="0" y="0"/>
+          <a:ext cx="0" cy="0"/>
+          <a:chOff x="0" y="0"/>
+          <a:chExt cx="0" cy="0"/>
+        </a:xfrm>
+      </p:grpSpPr>
+      <p:sp>
+        <p:nvSpPr>
+          <p:cNvPr id="2" name="Slide Image Placeholder 1"/>
+          <p:cNvSpPr>
+            <a:spLocks noGrp="1" noRot="1" noChangeAspect="1"/>
+          </p:cNvSpPr>
+          <p:nvPr>
+            <p:ph type="sldImg"/>
+          </p:nvPr>
+        </p:nvSpPr>
+        <p:spPr/>
+      </p:sp>
+      <p:sp>
+        <p:nvSpPr>
+          <p:cNvPr id="3" name="Notes Placeholder 2"/>
+          <p:cNvSpPr>
+            <a:spLocks noGrp="1"/>
+          </p:cNvSpPr>
+          <p:nvPr>
+            <p:ph type="body" idx="1"/>
+          </p:nvPr>
+        </p:nvSpPr>
+        <p:spPr/>
+        <p:txBody>
+          <a:bodyPr/>
+          <a:lstStyle/>
+          <a:p>
             <a:endParaRPr lang="en-US"/>
           </a:p>
         </p:txBody>
@@ -905,7 +1004,7 @@
 </p:notes>
 </file>
 
-<file path=ppt/notesSlides/notesSlide3.xml><?xml version="1.0" encoding="utf-8"?>
+<file path=ppt/notesSlides/notesSlide4.xml><?xml version="1.0" encoding="utf-8"?>
 <p:notes xmlns:a="http://schemas.openxmlformats.org/drawingml/2006/main" xmlns:r="http://schemas.openxmlformats.org/officeDocument/2006/relationships" xmlns:p="http://schemas.openxmlformats.org/presentationml/2006/main">
   <p:cSld>
     <p:spTree>
